--- a/G2M Cab investment case study.pptx
+++ b/G2M Cab investment case study.pptx
@@ -308,7 +308,7 @@
           <a:p>
             <a:fld id="{02AC24A9-CCB6-4F8D-B8DB-C2F3692CFA5A}" type="datetimeFigureOut">
               <a:rPr lang="en-US" smtClean="0"/>
-              <a:t>12/12/2022</a:t>
+              <a:t>12/19/2022</a:t>
             </a:fld>
             <a:endParaRPr lang="en-US" dirty="0"/>
           </a:p>
@@ -606,7 +606,7 @@
           <a:p>
             <a:fld id="{02AC24A9-CCB6-4F8D-B8DB-C2F3692CFA5A}" type="datetimeFigureOut">
               <a:rPr lang="en-US" smtClean="0"/>
-              <a:t>12/12/2022</a:t>
+              <a:t>12/19/2022</a:t>
             </a:fld>
             <a:endParaRPr lang="en-US"/>
           </a:p>
@@ -798,7 +798,7 @@
           <a:p>
             <a:fld id="{02AC24A9-CCB6-4F8D-B8DB-C2F3692CFA5A}" type="datetimeFigureOut">
               <a:rPr lang="en-US" smtClean="0"/>
-              <a:t>12/12/2022</a:t>
+              <a:t>12/19/2022</a:t>
             </a:fld>
             <a:endParaRPr lang="en-US"/>
           </a:p>
@@ -1059,7 +1059,7 @@
           <a:p>
             <a:fld id="{02AC24A9-CCB6-4F8D-B8DB-C2F3692CFA5A}" type="datetimeFigureOut">
               <a:rPr lang="en-US" smtClean="0"/>
-              <a:t>12/12/2022</a:t>
+              <a:t>12/19/2022</a:t>
             </a:fld>
             <a:endParaRPr lang="en-US"/>
           </a:p>
@@ -1483,7 +1483,7 @@
           <a:p>
             <a:fld id="{02AC24A9-CCB6-4F8D-B8DB-C2F3692CFA5A}" type="datetimeFigureOut">
               <a:rPr lang="en-US" smtClean="0"/>
-              <a:t>12/12/2022</a:t>
+              <a:t>12/19/2022</a:t>
             </a:fld>
             <a:endParaRPr lang="en-US"/>
           </a:p>
@@ -2020,7 +2020,7 @@
           <a:p>
             <a:fld id="{02AC24A9-CCB6-4F8D-B8DB-C2F3692CFA5A}" type="datetimeFigureOut">
               <a:rPr lang="en-US" smtClean="0"/>
-              <a:t>12/12/2022</a:t>
+              <a:t>12/19/2022</a:t>
             </a:fld>
             <a:endParaRPr lang="en-US"/>
           </a:p>
@@ -2884,7 +2884,7 @@
           <a:p>
             <a:fld id="{02AC24A9-CCB6-4F8D-B8DB-C2F3692CFA5A}" type="datetimeFigureOut">
               <a:rPr lang="en-US" smtClean="0"/>
-              <a:t>12/12/2022</a:t>
+              <a:t>12/19/2022</a:t>
             </a:fld>
             <a:endParaRPr lang="en-US"/>
           </a:p>
@@ -3054,7 +3054,7 @@
           <a:p>
             <a:fld id="{02AC24A9-CCB6-4F8D-B8DB-C2F3692CFA5A}" type="datetimeFigureOut">
               <a:rPr lang="en-US" smtClean="0"/>
-              <a:t>12/12/2022</a:t>
+              <a:t>12/19/2022</a:t>
             </a:fld>
             <a:endParaRPr lang="en-US"/>
           </a:p>
@@ -3238,7 +3238,7 @@
           <a:p>
             <a:fld id="{02AC24A9-CCB6-4F8D-B8DB-C2F3692CFA5A}" type="datetimeFigureOut">
               <a:rPr lang="en-US" smtClean="0"/>
-              <a:t>12/12/2022</a:t>
+              <a:t>12/19/2022</a:t>
             </a:fld>
             <a:endParaRPr lang="en-US"/>
           </a:p>
@@ -3408,7 +3408,7 @@
           <a:p>
             <a:fld id="{02AC24A9-CCB6-4F8D-B8DB-C2F3692CFA5A}" type="datetimeFigureOut">
               <a:rPr lang="en-US" smtClean="0"/>
-              <a:t>12/12/2022</a:t>
+              <a:t>12/19/2022</a:t>
             </a:fld>
             <a:endParaRPr lang="en-US"/>
           </a:p>
@@ -3652,7 +3652,7 @@
           <a:p>
             <a:fld id="{02AC24A9-CCB6-4F8D-B8DB-C2F3692CFA5A}" type="datetimeFigureOut">
               <a:rPr lang="en-US" smtClean="0"/>
-              <a:t>12/12/2022</a:t>
+              <a:t>12/19/2022</a:t>
             </a:fld>
             <a:endParaRPr lang="en-US"/>
           </a:p>
@@ -3888,7 +3888,7 @@
           <a:p>
             <a:fld id="{02AC24A9-CCB6-4F8D-B8DB-C2F3692CFA5A}" type="datetimeFigureOut">
               <a:rPr lang="en-US" smtClean="0"/>
-              <a:t>12/12/2022</a:t>
+              <a:t>12/19/2022</a:t>
             </a:fld>
             <a:endParaRPr lang="en-US"/>
           </a:p>
@@ -4354,7 +4354,7 @@
           <a:p>
             <a:fld id="{02AC24A9-CCB6-4F8D-B8DB-C2F3692CFA5A}" type="datetimeFigureOut">
               <a:rPr lang="en-US" smtClean="0"/>
-              <a:t>12/12/2022</a:t>
+              <a:t>12/19/2022</a:t>
             </a:fld>
             <a:endParaRPr lang="en-US"/>
           </a:p>
@@ -4472,7 +4472,7 @@
           <a:p>
             <a:fld id="{02AC24A9-CCB6-4F8D-B8DB-C2F3692CFA5A}" type="datetimeFigureOut">
               <a:rPr lang="en-US" smtClean="0"/>
-              <a:t>12/12/2022</a:t>
+              <a:t>12/19/2022</a:t>
             </a:fld>
             <a:endParaRPr lang="en-US"/>
           </a:p>
@@ -4567,7 +4567,7 @@
           <a:p>
             <a:fld id="{02AC24A9-CCB6-4F8D-B8DB-C2F3692CFA5A}" type="datetimeFigureOut">
               <a:rPr lang="en-US" smtClean="0"/>
-              <a:t>12/12/2022</a:t>
+              <a:t>12/19/2022</a:t>
             </a:fld>
             <a:endParaRPr lang="en-US"/>
           </a:p>
@@ -4822,7 +4822,7 @@
           <a:p>
             <a:fld id="{02AC24A9-CCB6-4F8D-B8DB-C2F3692CFA5A}" type="datetimeFigureOut">
               <a:rPr lang="en-US" smtClean="0"/>
-              <a:t>12/12/2022</a:t>
+              <a:t>12/19/2022</a:t>
             </a:fld>
             <a:endParaRPr lang="en-US" dirty="0"/>
           </a:p>
@@ -5122,7 +5122,7 @@
           <a:p>
             <a:fld id="{02AC24A9-CCB6-4F8D-B8DB-C2F3692CFA5A}" type="datetimeFigureOut">
               <a:rPr lang="en-US" smtClean="0"/>
-              <a:t>12/12/2022</a:t>
+              <a:t>12/19/2022</a:t>
             </a:fld>
             <a:endParaRPr lang="en-US"/>
           </a:p>
@@ -5356,7 +5356,7 @@
           <a:p>
             <a:fld id="{02AC24A9-CCB6-4F8D-B8DB-C2F3692CFA5A}" type="datetimeFigureOut">
               <a:rPr lang="en-US" smtClean="0"/>
-              <a:t>12/12/2022</a:t>
+              <a:t>12/19/2022</a:t>
             </a:fld>
             <a:endParaRPr lang="en-US"/>
           </a:p>
@@ -6189,7 +6189,7 @@
         </p:spPr>
         <p:txBody>
           <a:bodyPr>
-            <a:normAutofit/>
+            <a:normAutofit fontScale="92500" lnSpcReduction="20000"/>
           </a:bodyPr>
           <a:lstStyle/>
           <a:p>
@@ -6209,6 +6209,19 @@
               </a:rPr>
               <a:t>By Shreya Ramachandra</a:t>
             </a:r>
+          </a:p>
+          <a:p>
+            <a:r>
+              <a:rPr lang="en-CA" dirty="0">
+                <a:latin typeface="Calibri" panose="020F0502020204030204" pitchFamily="34" charset="0"/>
+                <a:cs typeface="Calibri" panose="020F0502020204030204" pitchFamily="34" charset="0"/>
+              </a:rPr>
+              <a:t>Date: 19/12/2022</a:t>
+            </a:r>
+            <a:endParaRPr lang="en-CA" sz="2000" dirty="0">
+              <a:latin typeface="Calibri" panose="020F0502020204030204" pitchFamily="34" charset="0"/>
+              <a:cs typeface="Calibri" panose="020F0502020204030204" pitchFamily="34" charset="0"/>
+            </a:endParaRPr>
           </a:p>
           <a:p>
             <a:endParaRPr lang="en-CA" sz="2000" dirty="0"/>
